--- a/dash_presentation.pptx
+++ b/dash_presentation.pptx
@@ -5,17 +5,18 @@
     <p:sldMasterId id="2147483678" r:id="rId1"/>
   </p:sldMasterIdLst>
   <p:notesMasterIdLst>
-    <p:notesMasterId r:id="rId10"/>
+    <p:notesMasterId r:id="rId11"/>
   </p:notesMasterIdLst>
   <p:sldIdLst>
     <p:sldId id="256" r:id="rId2"/>
     <p:sldId id="257" r:id="rId3"/>
     <p:sldId id="258" r:id="rId4"/>
     <p:sldId id="259" r:id="rId5"/>
-    <p:sldId id="262" r:id="rId6"/>
-    <p:sldId id="260" r:id="rId7"/>
-    <p:sldId id="263" r:id="rId8"/>
-    <p:sldId id="261" r:id="rId9"/>
+    <p:sldId id="264" r:id="rId6"/>
+    <p:sldId id="262" r:id="rId7"/>
+    <p:sldId id="260" r:id="rId8"/>
+    <p:sldId id="263" r:id="rId9"/>
+    <p:sldId id="261" r:id="rId10"/>
   </p:sldIdLst>
   <p:sldSz cx="12192000" cy="6858000"/>
   <p:notesSz cx="6858000" cy="9144000"/>
@@ -204,7 +205,7 @@
           <a:p>
             <a:fld id="{FB05CB52-9512-4252-849C-165E4CEDAF67}" type="datetimeFigureOut">
               <a:rPr lang="en-SE" smtClean="0"/>
-              <a:t>2019-11-26</a:t>
+              <a:t>2019-11-27</a:t>
             </a:fld>
             <a:endParaRPr lang="en-SE"/>
           </a:p>
@@ -630,7 +631,7 @@
           <a:p>
             <a:fld id="{8E4624B6-B102-4C46-8184-A20B6D25B3A6}" type="slidenum">
               <a:rPr lang="en-SE" smtClean="0"/>
-              <a:t>8</a:t>
+              <a:t>9</a:t>
             </a:fld>
             <a:endParaRPr lang="en-SE"/>
           </a:p>
@@ -875,7 +876,7 @@
           <a:p>
             <a:fld id="{9F986A90-90D6-42A8-8650-999EB7B30B5D}" type="datetimeFigureOut">
               <a:rPr lang="en-SE" smtClean="0"/>
-              <a:t>2019-11-26</a:t>
+              <a:t>2019-11-27</a:t>
             </a:fld>
             <a:endParaRPr lang="en-SE"/>
           </a:p>
@@ -1083,7 +1084,7 @@
           <a:p>
             <a:fld id="{9F986A90-90D6-42A8-8650-999EB7B30B5D}" type="datetimeFigureOut">
               <a:rPr lang="en-SE" smtClean="0"/>
-              <a:t>2019-11-26</a:t>
+              <a:t>2019-11-27</a:t>
             </a:fld>
             <a:endParaRPr lang="en-SE"/>
           </a:p>
@@ -1339,7 +1340,7 @@
           <a:p>
             <a:fld id="{9F986A90-90D6-42A8-8650-999EB7B30B5D}" type="datetimeFigureOut">
               <a:rPr lang="en-SE" smtClean="0"/>
-              <a:t>2019-11-26</a:t>
+              <a:t>2019-11-27</a:t>
             </a:fld>
             <a:endParaRPr lang="en-SE"/>
           </a:p>
@@ -1513,7 +1514,7 @@
           <a:p>
             <a:fld id="{9F986A90-90D6-42A8-8650-999EB7B30B5D}" type="datetimeFigureOut">
               <a:rPr lang="en-SE" smtClean="0"/>
-              <a:t>2019-11-26</a:t>
+              <a:t>2019-11-27</a:t>
             </a:fld>
             <a:endParaRPr lang="en-SE"/>
           </a:p>
@@ -1856,7 +1857,7 @@
           <a:p>
             <a:fld id="{9F986A90-90D6-42A8-8650-999EB7B30B5D}" type="datetimeFigureOut">
               <a:rPr lang="en-SE" smtClean="0"/>
-              <a:t>2019-11-26</a:t>
+              <a:t>2019-11-27</a:t>
             </a:fld>
             <a:endParaRPr lang="en-SE"/>
           </a:p>
@@ -2131,7 +2132,7 @@
           <a:p>
             <a:fld id="{9F986A90-90D6-42A8-8650-999EB7B30B5D}" type="datetimeFigureOut">
               <a:rPr lang="en-SE" smtClean="0"/>
-              <a:t>2019-11-26</a:t>
+              <a:t>2019-11-27</a:t>
             </a:fld>
             <a:endParaRPr lang="en-SE"/>
           </a:p>
@@ -2510,7 +2511,7 @@
           <a:p>
             <a:fld id="{9F986A90-90D6-42A8-8650-999EB7B30B5D}" type="datetimeFigureOut">
               <a:rPr lang="en-SE" smtClean="0"/>
-              <a:t>2019-11-26</a:t>
+              <a:t>2019-11-27</a:t>
             </a:fld>
             <a:endParaRPr lang="en-SE"/>
           </a:p>
@@ -2628,7 +2629,7 @@
           <a:p>
             <a:fld id="{9F986A90-90D6-42A8-8650-999EB7B30B5D}" type="datetimeFigureOut">
               <a:rPr lang="en-SE" smtClean="0"/>
-              <a:t>2019-11-26</a:t>
+              <a:t>2019-11-27</a:t>
             </a:fld>
             <a:endParaRPr lang="en-SE"/>
           </a:p>
@@ -2799,7 +2800,7 @@
           <a:p>
             <a:fld id="{9F986A90-90D6-42A8-8650-999EB7B30B5D}" type="datetimeFigureOut">
               <a:rPr lang="en-SE" smtClean="0"/>
-              <a:t>2019-11-26</a:t>
+              <a:t>2019-11-27</a:t>
             </a:fld>
             <a:endParaRPr lang="en-SE"/>
           </a:p>
@@ -3153,7 +3154,7 @@
           <a:p>
             <a:fld id="{9F986A90-90D6-42A8-8650-999EB7B30B5D}" type="datetimeFigureOut">
               <a:rPr lang="en-SE" smtClean="0"/>
-              <a:t>2019-11-26</a:t>
+              <a:t>2019-11-27</a:t>
             </a:fld>
             <a:endParaRPr lang="en-SE"/>
           </a:p>
@@ -3535,7 +3536,7 @@
           <a:p>
             <a:fld id="{9F986A90-90D6-42A8-8650-999EB7B30B5D}" type="datetimeFigureOut">
               <a:rPr lang="en-SE" smtClean="0"/>
-              <a:t>2019-11-26</a:t>
+              <a:t>2019-11-27</a:t>
             </a:fld>
             <a:endParaRPr lang="en-SE"/>
           </a:p>
@@ -3822,7 +3823,7 @@
           <a:p>
             <a:fld id="{9F986A90-90D6-42A8-8650-999EB7B30B5D}" type="datetimeFigureOut">
               <a:rPr lang="en-SE" smtClean="0"/>
-              <a:t>2019-11-26</a:t>
+              <a:t>2019-11-27</a:t>
             </a:fld>
             <a:endParaRPr lang="en-SE"/>
           </a:p>
@@ -4691,7 +4692,7 @@
           <a:p>
             <a:r>
               <a:rPr lang="en-US" dirty="0"/>
-              <a:t>Create interactive dashboard in web browser</a:t>
+              <a:t>Create interactive dashboards in web browser</a:t>
             </a:r>
           </a:p>
           <a:p>
@@ -4699,15 +4700,6 @@
               <a:rPr lang="en-US" dirty="0"/>
               <a:t>Written on top of Flask, Plotly.js, and React.js</a:t>
             </a:r>
-          </a:p>
-          <a:p>
-            <a:r>
-              <a:rPr lang="en-US" dirty="0"/>
-              <a:t>Example use cases…</a:t>
-            </a:r>
-          </a:p>
-          <a:p>
-            <a:endParaRPr lang="en-US" dirty="0"/>
           </a:p>
         </p:txBody>
       </p:sp>
@@ -4741,80 +4733,83 @@
           <a:chExt cx="0" cy="0"/>
         </a:xfrm>
       </p:grpSpPr>
-      <p:sp>
-        <p:nvSpPr>
-          <p:cNvPr id="2" name="Rubrik 1">
+      <p:pic>
+        <p:nvPicPr>
+          <p:cNvPr id="5" name="Platshållare för innehåll 4">
             <a:extLst>
               <a:ext uri="{FF2B5EF4-FFF2-40B4-BE49-F238E27FC236}">
-                <a16:creationId xmlns:a16="http://schemas.microsoft.com/office/drawing/2014/main" id="{238D3238-269D-4666-92A4-643F69208F57}"/>
+                <a16:creationId xmlns:a16="http://schemas.microsoft.com/office/drawing/2014/main" id="{AC2611F3-2FB4-48BC-B33E-4EC43BFEF638}"/>
               </a:ext>
             </a:extLst>
           </p:cNvPr>
-          <p:cNvSpPr>
-            <a:spLocks noGrp="1"/>
-          </p:cNvSpPr>
-          <p:nvPr>
-            <p:ph type="title"/>
-          </p:nvPr>
-        </p:nvSpPr>
-        <p:spPr/>
-        <p:txBody>
-          <a:bodyPr/>
-          <a:lstStyle/>
-          <a:p>
-            <a:r>
-              <a:rPr lang="en-US" dirty="0"/>
-              <a:t>How does it work?</a:t>
-            </a:r>
-            <a:endParaRPr lang="en-SE" dirty="0"/>
-          </a:p>
-        </p:txBody>
-      </p:sp>
-      <p:sp>
-        <p:nvSpPr>
-          <p:cNvPr id="3" name="Platshållare för innehåll 2">
+          <p:cNvPicPr>
+            <a:picLocks noGrp="1" noChangeAspect="1"/>
+          </p:cNvPicPr>
+          <p:nvPr>
+            <p:ph idx="1"/>
+          </p:nvPr>
+        </p:nvPicPr>
+        <p:blipFill>
+          <a:blip r:embed="rId2">
+            <a:extLst>
+              <a:ext uri="{28A0092B-C50C-407E-A947-70E740481C1C}">
+                <a14:useLocalDpi xmlns:a14="http://schemas.microsoft.com/office/drawing/2010/main" val="0"/>
+              </a:ext>
+            </a:extLst>
+          </a:blip>
+          <a:stretch>
+            <a:fillRect/>
+          </a:stretch>
+        </p:blipFill>
+        <p:spPr>
+          <a:xfrm>
+            <a:off x="897757" y="390277"/>
+            <a:ext cx="10396486" cy="5715495"/>
+          </a:xfrm>
+        </p:spPr>
+      </p:pic>
+      <p:sp>
+        <p:nvSpPr>
+          <p:cNvPr id="6" name="textruta 5">
             <a:extLst>
               <a:ext uri="{FF2B5EF4-FFF2-40B4-BE49-F238E27FC236}">
-                <a16:creationId xmlns:a16="http://schemas.microsoft.com/office/drawing/2014/main" id="{4D766AE7-4363-4EEF-AD54-FB009EFEA4C6}"/>
+                <a16:creationId xmlns:a16="http://schemas.microsoft.com/office/drawing/2014/main" id="{6D2897D2-A341-4529-8111-7B9795F844C0}"/>
               </a:ext>
             </a:extLst>
           </p:cNvPr>
-          <p:cNvSpPr>
-            <a:spLocks noGrp="1"/>
-          </p:cNvSpPr>
-          <p:nvPr>
-            <p:ph idx="1"/>
-          </p:nvPr>
-        </p:nvSpPr>
-        <p:spPr/>
-        <p:txBody>
-          <a:bodyPr/>
-          <a:lstStyle/>
-          <a:p>
-            <a:r>
-              <a:rPr lang="en-US" dirty="0"/>
-              <a:t>Layout – the looks</a:t>
-            </a:r>
-          </a:p>
-          <a:p>
-            <a:r>
-              <a:rPr lang="en-US" dirty="0"/>
-              <a:t>Callbacks – the functionality</a:t>
-            </a:r>
-          </a:p>
-          <a:p>
-            <a:r>
-              <a:rPr lang="en-US" dirty="0"/>
-              <a:t>Components – the building blocks</a:t>
-            </a:r>
-            <a:endParaRPr lang="en-SE" dirty="0"/>
+          <p:cNvSpPr txBox="1"/>
+          <p:nvPr/>
+        </p:nvSpPr>
+        <p:spPr>
+          <a:xfrm>
+            <a:off x="7972425" y="6096495"/>
+            <a:ext cx="4076700" cy="246221"/>
+          </a:xfrm>
+          <a:prstGeom prst="rect">
+            <a:avLst/>
+          </a:prstGeom>
+          <a:noFill/>
+        </p:spPr>
+        <p:txBody>
+          <a:bodyPr wrap="square" rtlCol="0">
+            <a:spAutoFit/>
+          </a:bodyPr>
+          <a:lstStyle/>
+          <a:p>
+            <a:r>
+              <a:rPr lang="en-US" sz="1000" dirty="0">
+                <a:hlinkClick r:id="rId3"/>
+              </a:rPr>
+              <a:t>https://dash-gallery.plotly.host/dash-salesforce-crm/</a:t>
+            </a:r>
+            <a:endParaRPr lang="en-SE" sz="1000" dirty="0"/>
           </a:p>
         </p:txBody>
       </p:sp>
     </p:spTree>
     <p:extLst>
       <p:ext uri="{BB962C8B-B14F-4D97-AF65-F5344CB8AC3E}">
-        <p14:creationId xmlns:p14="http://schemas.microsoft.com/office/powerpoint/2010/main" val="4102647246"/>
+        <p14:creationId xmlns:p14="http://schemas.microsoft.com/office/powerpoint/2010/main" val="3362772067"/>
       </p:ext>
     </p:extLst>
   </p:cSld>
@@ -4846,7 +4841,7 @@
           <p:cNvPr id="2" name="Rubrik 1">
             <a:extLst>
               <a:ext uri="{FF2B5EF4-FFF2-40B4-BE49-F238E27FC236}">
-                <a16:creationId xmlns:a16="http://schemas.microsoft.com/office/drawing/2014/main" id="{C4EF6B0D-E87B-4772-8536-3D44E0892622}"/>
+                <a16:creationId xmlns:a16="http://schemas.microsoft.com/office/drawing/2014/main" id="{238D3238-269D-4666-92A4-643F69208F57}"/>
               </a:ext>
             </a:extLst>
           </p:cNvPr>
@@ -4864,7 +4859,7 @@
           <a:p>
             <a:r>
               <a:rPr lang="en-US" dirty="0"/>
-              <a:t>A simple app</a:t>
+              <a:t>How does it work?</a:t>
             </a:r>
             <a:endParaRPr lang="en-SE" dirty="0"/>
           </a:p>
@@ -4875,7 +4870,7 @@
           <p:cNvPr id="3" name="Platshållare för innehåll 2">
             <a:extLst>
               <a:ext uri="{FF2B5EF4-FFF2-40B4-BE49-F238E27FC236}">
-                <a16:creationId xmlns:a16="http://schemas.microsoft.com/office/drawing/2014/main" id="{839F4147-FEB3-4D02-9FF7-5BD3AC4F21CD}"/>
+                <a16:creationId xmlns:a16="http://schemas.microsoft.com/office/drawing/2014/main" id="{4D766AE7-4363-4EEF-AD54-FB009EFEA4C6}"/>
               </a:ext>
             </a:extLst>
           </p:cNvPr>
@@ -4892,11 +4887,95 @@
           <a:lstStyle/>
           <a:p>
             <a:r>
-              <a:rPr lang="en-US" dirty="0">
+              <a:rPr lang="en-US" dirty="0"/>
+              <a:t>Layout – the looks</a:t>
+            </a:r>
+          </a:p>
+          <a:p>
+            <a:r>
+              <a:rPr lang="en-US" dirty="0"/>
+              <a:t>Callbacks – the functionality</a:t>
+            </a:r>
+          </a:p>
+          <a:p>
+            <a:r>
+              <a:rPr lang="en-US" dirty="0"/>
+              <a:t>Components – the building blocks</a:t>
+            </a:r>
+            <a:endParaRPr lang="en-SE" dirty="0"/>
+          </a:p>
+        </p:txBody>
+      </p:sp>
+      <p:pic>
+        <p:nvPicPr>
+          <p:cNvPr id="5" name="Bildobjekt 4">
+            <a:extLst>
+              <a:ext uri="{FF2B5EF4-FFF2-40B4-BE49-F238E27FC236}">
+                <a16:creationId xmlns:a16="http://schemas.microsoft.com/office/drawing/2014/main" id="{15BDA7C2-0DD6-4DE2-86EC-84E2C9090717}"/>
+              </a:ext>
+            </a:extLst>
+          </p:cNvPr>
+          <p:cNvPicPr>
+            <a:picLocks noChangeAspect="1"/>
+          </p:cNvPicPr>
+          <p:nvPr/>
+        </p:nvPicPr>
+        <p:blipFill>
+          <a:blip r:embed="rId2">
+            <a:extLst>
+              <a:ext uri="{28A0092B-C50C-407E-A947-70E740481C1C}">
+                <a14:useLocalDpi xmlns:a14="http://schemas.microsoft.com/office/drawing/2010/main" val="0"/>
+              </a:ext>
+            </a:extLst>
+          </a:blip>
+          <a:stretch>
+            <a:fillRect/>
+          </a:stretch>
+        </p:blipFill>
+        <p:spPr>
+          <a:xfrm>
+            <a:off x="5806440" y="2004060"/>
+            <a:ext cx="5349240" cy="2849880"/>
+          </a:xfrm>
+          <a:prstGeom prst="rect">
+            <a:avLst/>
+          </a:prstGeom>
+        </p:spPr>
+      </p:pic>
+      <p:sp>
+        <p:nvSpPr>
+          <p:cNvPr id="6" name="textruta 5">
+            <a:extLst>
+              <a:ext uri="{FF2B5EF4-FFF2-40B4-BE49-F238E27FC236}">
+                <a16:creationId xmlns:a16="http://schemas.microsoft.com/office/drawing/2014/main" id="{D9027D4C-E8CD-4088-8155-3FE1AF67BF71}"/>
+              </a:ext>
+            </a:extLst>
+          </p:cNvPr>
+          <p:cNvSpPr txBox="1"/>
+          <p:nvPr/>
+        </p:nvSpPr>
+        <p:spPr>
+          <a:xfrm>
+            <a:off x="6397881" y="5977468"/>
+            <a:ext cx="5460743" cy="246221"/>
+          </a:xfrm>
+          <a:prstGeom prst="rect">
+            <a:avLst/>
+          </a:prstGeom>
+          <a:noFill/>
+        </p:spPr>
+        <p:txBody>
+          <a:bodyPr wrap="square" rtlCol="0">
+            <a:spAutoFit/>
+          </a:bodyPr>
+          <a:lstStyle/>
+          <a:p>
+            <a:r>
+              <a:rPr lang="en-US" sz="1000" dirty="0">
                 <a:solidFill>
                   <a:srgbClr val="00B0F0"/>
                 </a:solidFill>
-                <a:hlinkClick r:id="rId2">
+                <a:hlinkClick r:id="rId3">
                   <a:extLst>
                     <a:ext uri="{A12FA001-AC4F-418D-AE19-62706E023703}">
                       <ahyp:hlinkClr xmlns:ahyp="http://schemas.microsoft.com/office/drawing/2018/hyperlinkcolor" val="tx"/>
@@ -4904,9 +4983,9 @@
                   </a:extLst>
                 </a:hlinkClick>
               </a:rPr>
-              <a:t>http://127.0.0.1:8050/</a:t>
-            </a:r>
-            <a:endParaRPr lang="en-SE" dirty="0">
+              <a:t>https://towardsdatascience.com/5-neat-dash-apps-made-by-the-dash-community-9b37852456f3</a:t>
+            </a:r>
+            <a:endParaRPr lang="en-SE" sz="1000" dirty="0">
               <a:solidFill>
                 <a:srgbClr val="00B0F0"/>
               </a:solidFill>
@@ -4914,10 +4993,97 @@
           </a:p>
         </p:txBody>
       </p:sp>
+      <p:pic>
+        <p:nvPicPr>
+          <p:cNvPr id="8" name="Bildobjekt 7">
+            <a:extLst>
+              <a:ext uri="{FF2B5EF4-FFF2-40B4-BE49-F238E27FC236}">
+                <a16:creationId xmlns:a16="http://schemas.microsoft.com/office/drawing/2014/main" id="{61574846-F92D-4E96-8510-39CC56C70A1E}"/>
+              </a:ext>
+            </a:extLst>
+          </p:cNvPr>
+          <p:cNvPicPr>
+            <a:picLocks noChangeAspect="1"/>
+          </p:cNvPicPr>
+          <p:nvPr/>
+        </p:nvPicPr>
+        <p:blipFill>
+          <a:blip r:embed="rId4">
+            <a:extLst>
+              <a:ext uri="{28A0092B-C50C-407E-A947-70E740481C1C}">
+                <a14:useLocalDpi xmlns:a14="http://schemas.microsoft.com/office/drawing/2010/main" val="0"/>
+              </a:ext>
+            </a:extLst>
+          </a:blip>
+          <a:stretch>
+            <a:fillRect/>
+          </a:stretch>
+        </p:blipFill>
+        <p:spPr>
+          <a:xfrm>
+            <a:off x="974391" y="3330779"/>
+            <a:ext cx="4462967" cy="1523161"/>
+          </a:xfrm>
+          <a:prstGeom prst="rect">
+            <a:avLst/>
+          </a:prstGeom>
+        </p:spPr>
+      </p:pic>
+      <p:sp>
+        <p:nvSpPr>
+          <p:cNvPr id="9" name="textruta 8">
+            <a:extLst>
+              <a:ext uri="{FF2B5EF4-FFF2-40B4-BE49-F238E27FC236}">
+                <a16:creationId xmlns:a16="http://schemas.microsoft.com/office/drawing/2014/main" id="{F9D5952C-8A1B-4098-89A0-0AA385FBABE6}"/>
+              </a:ext>
+            </a:extLst>
+          </p:cNvPr>
+          <p:cNvSpPr txBox="1"/>
+          <p:nvPr/>
+        </p:nvSpPr>
+        <p:spPr>
+          <a:xfrm>
+            <a:off x="642026" y="5977468"/>
+            <a:ext cx="4756825" cy="246221"/>
+          </a:xfrm>
+          <a:prstGeom prst="rect">
+            <a:avLst/>
+          </a:prstGeom>
+          <a:noFill/>
+        </p:spPr>
+        <p:txBody>
+          <a:bodyPr wrap="square" rtlCol="0">
+            <a:spAutoFit/>
+          </a:bodyPr>
+          <a:lstStyle/>
+          <a:p>
+            <a:r>
+              <a:rPr lang="en-US" sz="1000" dirty="0">
+                <a:solidFill>
+                  <a:srgbClr val="00B0F0"/>
+                </a:solidFill>
+                <a:hlinkClick r:id="rId5">
+                  <a:extLst>
+                    <a:ext uri="{A12FA001-AC4F-418D-AE19-62706E023703}">
+                      <ahyp:hlinkClr xmlns:ahyp="http://schemas.microsoft.com/office/drawing/2018/hyperlinkcolor" val="tx"/>
+                    </a:ext>
+                  </a:extLst>
+                </a:hlinkClick>
+              </a:rPr>
+              <a:t>https://www.datacamp.com/community/tutorials/learn-build-dash-python</a:t>
+            </a:r>
+            <a:endParaRPr lang="en-SE" sz="1000" dirty="0">
+              <a:solidFill>
+                <a:srgbClr val="00B0F0"/>
+              </a:solidFill>
+            </a:endParaRPr>
+          </a:p>
+        </p:txBody>
+      </p:sp>
     </p:spTree>
     <p:extLst>
       <p:ext uri="{BB962C8B-B14F-4D97-AF65-F5344CB8AC3E}">
-        <p14:creationId xmlns:p14="http://schemas.microsoft.com/office/powerpoint/2010/main" val="749153937"/>
+        <p14:creationId xmlns:p14="http://schemas.microsoft.com/office/powerpoint/2010/main" val="4102647246"/>
       </p:ext>
     </p:extLst>
   </p:cSld>
@@ -4949,6 +5115,109 @@
           <p:cNvPr id="2" name="Rubrik 1">
             <a:extLst>
               <a:ext uri="{FF2B5EF4-FFF2-40B4-BE49-F238E27FC236}">
+                <a16:creationId xmlns:a16="http://schemas.microsoft.com/office/drawing/2014/main" id="{C4EF6B0D-E87B-4772-8536-3D44E0892622}"/>
+              </a:ext>
+            </a:extLst>
+          </p:cNvPr>
+          <p:cNvSpPr>
+            <a:spLocks noGrp="1"/>
+          </p:cNvSpPr>
+          <p:nvPr>
+            <p:ph type="title"/>
+          </p:nvPr>
+        </p:nvSpPr>
+        <p:spPr/>
+        <p:txBody>
+          <a:bodyPr/>
+          <a:lstStyle/>
+          <a:p>
+            <a:r>
+              <a:rPr lang="en-US" dirty="0"/>
+              <a:t>A simple app</a:t>
+            </a:r>
+            <a:endParaRPr lang="en-SE" dirty="0"/>
+          </a:p>
+        </p:txBody>
+      </p:sp>
+      <p:sp>
+        <p:nvSpPr>
+          <p:cNvPr id="3" name="Platshållare för innehåll 2">
+            <a:extLst>
+              <a:ext uri="{FF2B5EF4-FFF2-40B4-BE49-F238E27FC236}">
+                <a16:creationId xmlns:a16="http://schemas.microsoft.com/office/drawing/2014/main" id="{839F4147-FEB3-4D02-9FF7-5BD3AC4F21CD}"/>
+              </a:ext>
+            </a:extLst>
+          </p:cNvPr>
+          <p:cNvSpPr>
+            <a:spLocks noGrp="1"/>
+          </p:cNvSpPr>
+          <p:nvPr>
+            <p:ph idx="1"/>
+          </p:nvPr>
+        </p:nvSpPr>
+        <p:spPr/>
+        <p:txBody>
+          <a:bodyPr/>
+          <a:lstStyle/>
+          <a:p>
+            <a:r>
+              <a:rPr lang="en-US" dirty="0">
+                <a:solidFill>
+                  <a:srgbClr val="00B0F0"/>
+                </a:solidFill>
+                <a:hlinkClick r:id="rId2">
+                  <a:extLst>
+                    <a:ext uri="{A12FA001-AC4F-418D-AE19-62706E023703}">
+                      <ahyp:hlinkClr xmlns:ahyp="http://schemas.microsoft.com/office/drawing/2018/hyperlinkcolor" val="tx"/>
+                    </a:ext>
+                  </a:extLst>
+                </a:hlinkClick>
+              </a:rPr>
+              <a:t>http://127.0.0.1:8050/</a:t>
+            </a:r>
+            <a:endParaRPr lang="en-SE" dirty="0">
+              <a:solidFill>
+                <a:srgbClr val="00B0F0"/>
+              </a:solidFill>
+            </a:endParaRPr>
+          </a:p>
+        </p:txBody>
+      </p:sp>
+    </p:spTree>
+    <p:extLst>
+      <p:ext uri="{BB962C8B-B14F-4D97-AF65-F5344CB8AC3E}">
+        <p14:creationId xmlns:p14="http://schemas.microsoft.com/office/powerpoint/2010/main" val="749153937"/>
+      </p:ext>
+    </p:extLst>
+  </p:cSld>
+  <p:clrMapOvr>
+    <a:masterClrMapping/>
+  </p:clrMapOvr>
+</p:sld>
+</file>
+
+<file path=ppt/slides/slide8.xml><?xml version="1.0" encoding="utf-8"?>
+<p:sld xmlns:a="http://schemas.openxmlformats.org/drawingml/2006/main" xmlns:r="http://schemas.openxmlformats.org/officeDocument/2006/relationships" xmlns:p="http://schemas.openxmlformats.org/presentationml/2006/main">
+  <p:cSld>
+    <p:spTree>
+      <p:nvGrpSpPr>
+        <p:cNvPr id="1" name=""/>
+        <p:cNvGrpSpPr/>
+        <p:nvPr/>
+      </p:nvGrpSpPr>
+      <p:grpSpPr>
+        <a:xfrm>
+          <a:off x="0" y="0"/>
+          <a:ext cx="0" cy="0"/>
+          <a:chOff x="0" y="0"/>
+          <a:chExt cx="0" cy="0"/>
+        </a:xfrm>
+      </p:grpSpPr>
+      <p:sp>
+        <p:nvSpPr>
+          <p:cNvPr id="2" name="Rubrik 1">
+            <a:extLst>
+              <a:ext uri="{FF2B5EF4-FFF2-40B4-BE49-F238E27FC236}">
                 <a16:creationId xmlns:a16="http://schemas.microsoft.com/office/drawing/2014/main" id="{F4C75DC4-028F-4045-AE49-42C374CFDC1F}"/>
               </a:ext>
             </a:extLst>
@@ -5011,7 +5280,7 @@
 </p:sld>
 </file>
 
-<file path=ppt/slides/slide8.xml><?xml version="1.0" encoding="utf-8"?>
+<file path=ppt/slides/slide9.xml><?xml version="1.0" encoding="utf-8"?>
 <p:sld xmlns:a="http://schemas.openxmlformats.org/drawingml/2006/main" xmlns:r="http://schemas.openxmlformats.org/officeDocument/2006/relationships" xmlns:p="http://schemas.openxmlformats.org/presentationml/2006/main">
   <p:cSld>
     <p:spTree>
